--- a/images/AB Exam Prep icon.pptx
+++ b/images/AB Exam Prep icon.pptx
@@ -3046,9 +3046,7 @@
             <a:avLst/>
           </a:prstGeom>
           <a:scene3d>
-            <a:camera prst="isometricOffAxis2Right">
-              <a:rot lat="1080000" lon="19800000" rev="0"/>
-            </a:camera>
+            <a:camera prst="isometricOffAxis1Right"/>
             <a:lightRig rig="threePt" dir="t"/>
           </a:scene3d>
         </p:spPr>
